--- a/documentacao/powerPoint/totem_MonitoringSprint1.pptx
+++ b/documentacao/powerPoint/totem_MonitoringSprint1.pptx
@@ -205,7 +205,7 @@
           <a:p>
             <a:fld id="{C452ADB1-275D-430A-89EE-5C7E6CFF6FF2}" type="datetimeFigureOut">
               <a:rPr lang="en-US" smtClean="0"/>
-              <a:t>10/18/2019</a:t>
+              <a:t>11/13/2019</a:t>
             </a:fld>
             <a:endParaRPr lang="en-US" dirty="0"/>
           </a:p>
@@ -9265,7 +9265,7 @@
           <a:p>
             <a:fld id="{7005E26E-BCB2-4FD5-8FD5-81A5EAE94C21}" type="datetime1">
               <a:rPr lang="en-US" smtClean="0"/>
-              <a:t>10/18/2019</a:t>
+              <a:t>11/13/2019</a:t>
             </a:fld>
             <a:endParaRPr lang="en-US" dirty="0"/>
           </a:p>
@@ -9467,7 +9467,7 @@
           <a:p>
             <a:fld id="{9CC2E9B8-0487-42E4-B571-744A3D775783}" type="datetime1">
               <a:rPr lang="en-US" smtClean="0"/>
-              <a:t>10/18/2019</a:t>
+              <a:t>11/13/2019</a:t>
             </a:fld>
             <a:endParaRPr lang="en-US" dirty="0"/>
           </a:p>
@@ -9642,7 +9642,7 @@
           <a:p>
             <a:fld id="{9052E32D-1E84-43FD-8158-FFFE757EB0E8}" type="datetime1">
               <a:rPr lang="en-US" smtClean="0"/>
-              <a:t>10/18/2019</a:t>
+              <a:t>11/13/2019</a:t>
             </a:fld>
             <a:endParaRPr lang="en-US" dirty="0"/>
           </a:p>
@@ -9842,7 +9842,7 @@
           <a:p>
             <a:fld id="{8585C470-CD19-455C-B830-6D252EAD7FE5}" type="datetime1">
               <a:rPr lang="en-US" smtClean="0"/>
-              <a:t>10/18/2019</a:t>
+              <a:t>11/13/2019</a:t>
             </a:fld>
             <a:endParaRPr lang="en-US" dirty="0"/>
           </a:p>
@@ -18735,7 +18735,7 @@
           <a:p>
             <a:fld id="{7F85C43C-50D9-4F49-A136-0EFF292F93ED}" type="datetime1">
               <a:rPr lang="en-US" smtClean="0"/>
-              <a:t>10/18/2019</a:t>
+              <a:t>11/13/2019</a:t>
             </a:fld>
             <a:endParaRPr lang="en-US" dirty="0"/>
           </a:p>
@@ -19004,7 +19004,7 @@
           <a:p>
             <a:fld id="{7B53B1A3-0AEF-4064-A724-D27D660C8653}" type="datetime1">
               <a:rPr lang="en-US" smtClean="0"/>
-              <a:t>10/18/2019</a:t>
+              <a:t>11/13/2019</a:t>
             </a:fld>
             <a:endParaRPr lang="en-US" dirty="0"/>
           </a:p>
@@ -19397,7 +19397,7 @@
           <a:p>
             <a:fld id="{37D5D0F2-BF66-4A24-9384-A0129B196518}" type="datetime1">
               <a:rPr lang="en-US" smtClean="0"/>
-              <a:t>10/18/2019</a:t>
+              <a:t>11/13/2019</a:t>
             </a:fld>
             <a:endParaRPr lang="en-US" dirty="0"/>
           </a:p>
@@ -19510,7 +19510,7 @@
           <a:p>
             <a:fld id="{8C318A6C-4F6B-48D2-BDB0-D7413B3FDB0A}" type="datetime1">
               <a:rPr lang="en-US" smtClean="0"/>
-              <a:t>10/18/2019</a:t>
+              <a:t>11/13/2019</a:t>
             </a:fld>
             <a:endParaRPr lang="en-US" dirty="0"/>
           </a:p>
@@ -19600,7 +19600,7 @@
           <a:p>
             <a:fld id="{BF01ECED-6ECE-4989-B917-9D4D7E6D3C76}" type="datetime1">
               <a:rPr lang="en-US" smtClean="0"/>
-              <a:t>10/18/2019</a:t>
+              <a:t>11/13/2019</a:t>
             </a:fld>
             <a:endParaRPr lang="en-US" dirty="0"/>
           </a:p>
@@ -19885,7 +19885,7 @@
           <a:p>
             <a:fld id="{E3B570E1-CB40-488E-8C6F-EF4211DFFCB0}" type="datetime1">
               <a:rPr lang="en-US" smtClean="0"/>
-              <a:t>10/18/2019</a:t>
+              <a:t>11/13/2019</a:t>
             </a:fld>
             <a:endParaRPr lang="en-US" dirty="0"/>
           </a:p>
@@ -20160,7 +20160,7 @@
           <a:p>
             <a:fld id="{D1CEB6AF-9F5C-43BE-879E-CB9514111250}" type="datetime1">
               <a:rPr lang="en-US" smtClean="0"/>
-              <a:t>10/18/2019</a:t>
+              <a:t>11/13/2019</a:t>
             </a:fld>
             <a:endParaRPr lang="en-US" dirty="0"/>
           </a:p>
@@ -20405,7 +20405,7 @@
           <a:p>
             <a:fld id="{E7EE424C-FCA3-4EDD-B274-8E055D649B7D}" type="datetime1">
               <a:rPr lang="en-US" smtClean="0"/>
-              <a:t>10/18/2019</a:t>
+              <a:t>11/13/2019</a:t>
             </a:fld>
             <a:endParaRPr lang="en-US" dirty="0"/>
           </a:p>
@@ -20920,7 +20920,7 @@
                 <a16:creationId xmlns:a16="http://schemas.microsoft.com/office/drawing/2014/main" id="{2FDF0794-1B86-42B2-B8C7-F60123E638ED}"/>
               </a:ext>
               <a:ext uri="{C183D7F6-B498-43B3-948B-1728B52AA6E4}">
-                <adec:decorative xmlns:adec="http://schemas.microsoft.com/office/drawing/2017/decorative" xmlns="" val="1"/>
+                <adec:decorative xmlns="" xmlns:adec="http://schemas.microsoft.com/office/drawing/2017/decorative" val="1"/>
               </a:ext>
             </a:extLst>
           </p:cNvPr>
@@ -20983,7 +20983,7 @@
                 <a16:creationId xmlns:a16="http://schemas.microsoft.com/office/drawing/2014/main" id="{230BD1B1-AA22-48F1-B3ED-579CD284605D}"/>
               </a:ext>
               <a:ext uri="{C183D7F6-B498-43B3-948B-1728B52AA6E4}">
-                <adec:decorative xmlns:adec="http://schemas.microsoft.com/office/drawing/2017/decorative" xmlns="" val="1"/>
+                <adec:decorative xmlns="" xmlns:adec="http://schemas.microsoft.com/office/drawing/2017/decorative" val="1"/>
               </a:ext>
             </a:extLst>
           </p:cNvPr>
@@ -21015,7 +21015,7 @@
                 <a16:creationId xmlns:a16="http://schemas.microsoft.com/office/drawing/2014/main" id="{EAA48FC5-3C83-4F1B-BC33-DF0B588F8317}"/>
               </a:ext>
               <a:ext uri="{C183D7F6-B498-43B3-948B-1728B52AA6E4}">
-                <adec:decorative xmlns:adec="http://schemas.microsoft.com/office/drawing/2017/decorative" xmlns="" val="1"/>
+                <adec:decorative xmlns="" xmlns:adec="http://schemas.microsoft.com/office/drawing/2017/decorative" val="1"/>
               </a:ext>
             </a:extLst>
           </p:cNvPr>
@@ -21118,7 +21118,7 @@
                 <a16:creationId xmlns:a16="http://schemas.microsoft.com/office/drawing/2014/main" id="{62F01714-1A39-4194-BD47-8A9960C59985}"/>
               </a:ext>
               <a:ext uri="{C183D7F6-B498-43B3-948B-1728B52AA6E4}">
-                <adec:decorative xmlns:adec="http://schemas.microsoft.com/office/drawing/2017/decorative" xmlns="" val="1"/>
+                <adec:decorative xmlns="" xmlns:adec="http://schemas.microsoft.com/office/drawing/2017/decorative" val="1"/>
               </a:ext>
             </a:extLst>
           </p:cNvPr>
@@ -21490,16 +21490,15 @@
           </p:cNvPicPr>
           <p:nvPr/>
         </p:nvPicPr>
-        <p:blipFill>
+        <p:blipFill rotWithShape="1">
           <a:blip r:embed="rId2"/>
-          <a:stretch>
-            <a:fillRect/>
-          </a:stretch>
+          <a:srcRect t="-1" b="34518"/>
+          <a:stretch/>
         </p:blipFill>
         <p:spPr>
           <a:xfrm>
-            <a:off x="357809" y="2158896"/>
-            <a:ext cx="8049423" cy="4682490"/>
+            <a:off x="114741" y="3123658"/>
+            <a:ext cx="8778814" cy="3344092"/>
           </a:xfrm>
           <a:prstGeom prst="rect">
             <a:avLst/>
@@ -21574,16 +21573,15 @@
           </p:cNvPicPr>
           <p:nvPr/>
         </p:nvPicPr>
-        <p:blipFill>
+        <p:blipFill rotWithShape="1">
           <a:blip r:embed="rId3"/>
-          <a:stretch>
-            <a:fillRect/>
-          </a:stretch>
+          <a:srcRect b="10914"/>
+          <a:stretch/>
         </p:blipFill>
         <p:spPr>
           <a:xfrm>
-            <a:off x="445899" y="16614"/>
-            <a:ext cx="7873241" cy="1594304"/>
+            <a:off x="114741" y="908558"/>
+            <a:ext cx="8778814" cy="1583662"/>
           </a:xfrm>
           <a:prstGeom prst="rect">
             <a:avLst/>
@@ -22581,7 +22579,7 @@
                 <a16:creationId xmlns:a16="http://schemas.microsoft.com/office/drawing/2014/main" id="{CA4D39DB-AFA4-47BA-A7F2-13A71D210C66}"/>
               </a:ext>
               <a:ext uri="{C183D7F6-B498-43B3-948B-1728B52AA6E4}">
-                <adec:decorative xmlns:adec="http://schemas.microsoft.com/office/drawing/2017/decorative" xmlns="" val="1"/>
+                <adec:decorative xmlns="" xmlns:adec="http://schemas.microsoft.com/office/drawing/2017/decorative" val="1"/>
               </a:ext>
             </a:extLst>
           </p:cNvPr>
@@ -23126,13 +23124,7 @@
               <a:rPr lang="pt-BR" sz="2000" dirty="0" smtClean="0">
                 <a:latin typeface="+mj-lt"/>
               </a:rPr>
-              <a:t>do uso do totem </a:t>
-            </a:r>
-            <a:r>
-              <a:rPr lang="pt-BR" sz="2000" dirty="0" smtClean="0">
-                <a:latin typeface="+mj-lt"/>
-              </a:rPr>
-              <a:t>tendo </a:t>
+              <a:t>do uso do totem tendo </a:t>
             </a:r>
             <a:r>
               <a:rPr lang="pt-BR" sz="2000" dirty="0">
@@ -23605,7 +23597,7 @@
                 <a16:creationId xmlns:a16="http://schemas.microsoft.com/office/drawing/2014/main" id="{3A8EC506-B1DA-46A1-B44D-774E68468E13}"/>
               </a:ext>
               <a:ext uri="{C183D7F6-B498-43B3-948B-1728B52AA6E4}">
-                <adec:decorative xmlns:adec="http://schemas.microsoft.com/office/drawing/2017/decorative" xmlns="" val="1"/>
+                <adec:decorative xmlns="" xmlns:adec="http://schemas.microsoft.com/office/drawing/2017/decorative" val="1"/>
               </a:ext>
             </a:extLst>
           </p:cNvPr>
@@ -23662,7 +23654,7 @@
                 <a16:creationId xmlns:a16="http://schemas.microsoft.com/office/drawing/2014/main" id="{BFF30785-305E-45D7-984F-5AA93D3CA561}"/>
               </a:ext>
               <a:ext uri="{C183D7F6-B498-43B3-948B-1728B52AA6E4}">
-                <adec:decorative xmlns:adec="http://schemas.microsoft.com/office/drawing/2017/decorative" xmlns="" val="1"/>
+                <adec:decorative xmlns="" xmlns:adec="http://schemas.microsoft.com/office/drawing/2017/decorative" val="1"/>
               </a:ext>
             </a:extLst>
           </p:cNvPr>
@@ -32280,7 +32272,7 @@
                 <a16:creationId xmlns:a16="http://schemas.microsoft.com/office/drawing/2014/main" id="{15E01FA5-D766-43CA-A83D-E7CF3F04E96F}"/>
               </a:ext>
               <a:ext uri="{C183D7F6-B498-43B3-948B-1728B52AA6E4}">
-                <adec:decorative xmlns:adec="http://schemas.microsoft.com/office/drawing/2017/decorative" xmlns="" val="1"/>
+                <adec:decorative xmlns="" xmlns:adec="http://schemas.microsoft.com/office/drawing/2017/decorative" val="1"/>
               </a:ext>
             </a:extLst>
           </p:cNvPr>
@@ -32334,7 +32326,7 @@
                 <a16:creationId xmlns:a16="http://schemas.microsoft.com/office/drawing/2014/main" id="{C411DB08-1669-426B-BBEB-FAD285EF80FE}"/>
               </a:ext>
               <a:ext uri="{C183D7F6-B498-43B3-948B-1728B52AA6E4}">
-                <adec:decorative xmlns:adec="http://schemas.microsoft.com/office/drawing/2017/decorative" xmlns="" val="1"/>
+                <adec:decorative xmlns="" xmlns:adec="http://schemas.microsoft.com/office/drawing/2017/decorative" val="1"/>
               </a:ext>
             </a:extLst>
           </p:cNvPr>
@@ -32394,7 +32386,7 @@
                 <a16:creationId xmlns:a16="http://schemas.microsoft.com/office/drawing/2014/main" id="{029E4219-121F-4CD1-AA58-24746CD2923C}"/>
               </a:ext>
               <a:ext uri="{C183D7F6-B498-43B3-948B-1728B52AA6E4}">
-                <adec:decorative xmlns:adec="http://schemas.microsoft.com/office/drawing/2017/decorative" xmlns="" val="1"/>
+                <adec:decorative xmlns="" xmlns:adec="http://schemas.microsoft.com/office/drawing/2017/decorative" val="1"/>
               </a:ext>
             </a:extLst>
           </p:cNvPr>
@@ -32500,7 +32492,7 @@
                 <a16:creationId xmlns:a16="http://schemas.microsoft.com/office/drawing/2014/main" id="{52F50912-06FD-4216-BAD3-21050F59564A}"/>
               </a:ext>
               <a:ext uri="{C183D7F6-B498-43B3-948B-1728B52AA6E4}">
-                <adec:decorative xmlns:adec="http://schemas.microsoft.com/office/drawing/2017/decorative" xmlns="" val="1"/>
+                <adec:decorative xmlns="" xmlns:adec="http://schemas.microsoft.com/office/drawing/2017/decorative" val="1"/>
               </a:ext>
             </a:extLst>
           </p:cNvPr>
@@ -32623,7 +32615,7 @@
                 <a16:creationId xmlns:a16="http://schemas.microsoft.com/office/drawing/2014/main" id="{3A8EC506-B1DA-46A1-B44D-774E68468E13}"/>
               </a:ext>
               <a:ext uri="{C183D7F6-B498-43B3-948B-1728B52AA6E4}">
-                <adec:decorative xmlns:adec="http://schemas.microsoft.com/office/drawing/2017/decorative" xmlns="" val="1"/>
+                <adec:decorative xmlns="" xmlns:adec="http://schemas.microsoft.com/office/drawing/2017/decorative" val="1"/>
               </a:ext>
             </a:extLst>
           </p:cNvPr>
@@ -32680,7 +32672,7 @@
                 <a16:creationId xmlns:a16="http://schemas.microsoft.com/office/drawing/2014/main" id="{BFF30785-305E-45D7-984F-5AA93D3CA561}"/>
               </a:ext>
               <a:ext uri="{C183D7F6-B498-43B3-948B-1728B52AA6E4}">
-                <adec:decorative xmlns:adec="http://schemas.microsoft.com/office/drawing/2017/decorative" xmlns="" val="1"/>
+                <adec:decorative xmlns="" xmlns:adec="http://schemas.microsoft.com/office/drawing/2017/decorative" val="1"/>
               </a:ext>
             </a:extLst>
           </p:cNvPr>
@@ -41298,7 +41290,7 @@
                 <a16:creationId xmlns:a16="http://schemas.microsoft.com/office/drawing/2014/main" id="{15E01FA5-D766-43CA-A83D-E7CF3F04E96F}"/>
               </a:ext>
               <a:ext uri="{C183D7F6-B498-43B3-948B-1728B52AA6E4}">
-                <adec:decorative xmlns:adec="http://schemas.microsoft.com/office/drawing/2017/decorative" xmlns="" val="1"/>
+                <adec:decorative xmlns="" xmlns:adec="http://schemas.microsoft.com/office/drawing/2017/decorative" val="1"/>
               </a:ext>
             </a:extLst>
           </p:cNvPr>
@@ -41352,7 +41344,7 @@
                 <a16:creationId xmlns:a16="http://schemas.microsoft.com/office/drawing/2014/main" id="{42DD0C21-8FEE-4C18-8789-CC8ABE206FE6}"/>
               </a:ext>
               <a:ext uri="{C183D7F6-B498-43B3-948B-1728B52AA6E4}">
-                <adec:decorative xmlns:adec="http://schemas.microsoft.com/office/drawing/2017/decorative" xmlns="" val="1"/>
+                <adec:decorative xmlns="" xmlns:adec="http://schemas.microsoft.com/office/drawing/2017/decorative" val="1"/>
               </a:ext>
             </a:extLst>
           </p:cNvPr>
@@ -41412,7 +41404,7 @@
                 <a16:creationId xmlns:a16="http://schemas.microsoft.com/office/drawing/2014/main" id="{A4B51757-7607-4CEA-A0EE-3C5BDC2C1CFB}"/>
               </a:ext>
               <a:ext uri="{C183D7F6-B498-43B3-948B-1728B52AA6E4}">
-                <adec:decorative xmlns:adec="http://schemas.microsoft.com/office/drawing/2017/decorative" xmlns="" val="1"/>
+                <adec:decorative xmlns="" xmlns:adec="http://schemas.microsoft.com/office/drawing/2017/decorative" val="1"/>
               </a:ext>
             </a:extLst>
           </p:cNvPr>
@@ -41560,7 +41552,7 @@
                 <a16:creationId xmlns:a16="http://schemas.microsoft.com/office/drawing/2014/main" id="{FEF39256-F095-41C8-8707-6C1A665E8F2F}"/>
               </a:ext>
               <a:ext uri="{C183D7F6-B498-43B3-948B-1728B52AA6E4}">
-                <adec:decorative xmlns:adec="http://schemas.microsoft.com/office/drawing/2017/decorative" xmlns="" val="1"/>
+                <adec:decorative xmlns="" xmlns:adec="http://schemas.microsoft.com/office/drawing/2017/decorative" val="1"/>
               </a:ext>
             </a:extLst>
           </p:cNvPr>
@@ -42238,12 +42230,11 @@
 </file>
 
 <file path=customXml/item1.xml><?xml version="1.0" encoding="utf-8"?>
-<?mso-contentType ?>
-<FormTemplates xmlns="http://schemas.microsoft.com/sharepoint/v3/contenttype/forms">
-  <Display>DocumentLibraryForm</Display>
-  <Edit>DocumentLibraryForm</Edit>
-  <New>DocumentLibraryForm</New>
-</FormTemplates>
+<p:properties xmlns:p="http://schemas.microsoft.com/office/2006/metadata/properties" xmlns:xsi="http://www.w3.org/2001/XMLSchema-instance" xmlns:pc="http://schemas.microsoft.com/office/infopath/2007/PartnerControls">
+  <documentManagement>
+    <MediaServiceKeyPoints xmlns="71af3243-3dd4-4a8d-8c0d-dd76da1f02a5" xsi:nil="true"/>
+  </documentManagement>
+</p:properties>
 </file>
 
 <file path=customXml/item2.xml><?xml version="1.0" encoding="utf-8"?>
@@ -42458,17 +42449,20 @@
 </file>
 
 <file path=customXml/item3.xml><?xml version="1.0" encoding="utf-8"?>
-<p:properties xmlns:p="http://schemas.microsoft.com/office/2006/metadata/properties" xmlns:xsi="http://www.w3.org/2001/XMLSchema-instance" xmlns:pc="http://schemas.microsoft.com/office/infopath/2007/PartnerControls">
-  <documentManagement>
-    <MediaServiceKeyPoints xmlns="71af3243-3dd4-4a8d-8c0d-dd76da1f02a5" xsi:nil="true"/>
-  </documentManagement>
-</p:properties>
+<?mso-contentType ?>
+<FormTemplates xmlns="http://schemas.microsoft.com/sharepoint/v3/contenttype/forms">
+  <Display>DocumentLibraryForm</Display>
+  <Edit>DocumentLibraryForm</Edit>
+  <New>DocumentLibraryForm</New>
+</FormTemplates>
 </file>
 
 <file path=customXml/itemProps1.xml><?xml version="1.0" encoding="utf-8"?>
-<ds:datastoreItem xmlns:ds="http://schemas.openxmlformats.org/officeDocument/2006/customXml" ds:itemID="{4F44C90D-2A62-4985-9618-3460247437B1}">
+<ds:datastoreItem xmlns:ds="http://schemas.openxmlformats.org/officeDocument/2006/customXml" ds:itemID="{788A2F88-55C5-4ED1-9541-807C65424763}">
   <ds:schemaRefs>
-    <ds:schemaRef ds:uri="http://schemas.microsoft.com/sharepoint/v3/contenttype/forms"/>
+    <ds:schemaRef ds:uri="http://schemas.microsoft.com/office/2006/metadata/properties"/>
+    <ds:schemaRef ds:uri="http://schemas.microsoft.com/office/infopath/2007/PartnerControls"/>
+    <ds:schemaRef ds:uri="71af3243-3dd4-4a8d-8c0d-dd76da1f02a5"/>
   </ds:schemaRefs>
 </ds:datastoreItem>
 </file>
@@ -42493,11 +42487,9 @@
 </file>
 
 <file path=customXml/itemProps3.xml><?xml version="1.0" encoding="utf-8"?>
-<ds:datastoreItem xmlns:ds="http://schemas.openxmlformats.org/officeDocument/2006/customXml" ds:itemID="{788A2F88-55C5-4ED1-9541-807C65424763}">
+<ds:datastoreItem xmlns:ds="http://schemas.openxmlformats.org/officeDocument/2006/customXml" ds:itemID="{4F44C90D-2A62-4985-9618-3460247437B1}">
   <ds:schemaRefs>
-    <ds:schemaRef ds:uri="http://schemas.microsoft.com/office/2006/metadata/properties"/>
-    <ds:schemaRef ds:uri="http://schemas.microsoft.com/office/infopath/2007/PartnerControls"/>
-    <ds:schemaRef ds:uri="71af3243-3dd4-4a8d-8c0d-dd76da1f02a5"/>
+    <ds:schemaRef ds:uri="http://schemas.microsoft.com/sharepoint/v3/contenttype/forms"/>
   </ds:schemaRefs>
 </ds:datastoreItem>
 </file>